--- a/ppt 16-9/0613.感谢耶稣.pptx
+++ b/ppt 16-9/0613.感谢耶稣.pptx
@@ -129,7 +129,7 @@
           <p:cNvPr id="2" name="标题 1">
             <a:extLst>
               <a:ext uri="{FF2B5EF4-FFF2-40B4-BE49-F238E27FC236}">
-                <a16:creationId xmlns:a16="http://schemas.microsoft.com/office/drawing/2014/main" id="{C22837E4-3E71-7979-B254-265FCE2E314D}"/>
+                <a16:creationId xmlns:a16="http://schemas.microsoft.com/office/drawing/2014/main" id="{FACF55FE-5F2A-D242-767F-DA9927A86B76}"/>
               </a:ext>
             </a:extLst>
           </p:cNvPr>
@@ -166,7 +166,7 @@
           <p:cNvPr id="3" name="副标题 2">
             <a:extLst>
               <a:ext uri="{FF2B5EF4-FFF2-40B4-BE49-F238E27FC236}">
-                <a16:creationId xmlns:a16="http://schemas.microsoft.com/office/drawing/2014/main" id="{CEB63D16-F419-83D2-29DF-3304B15A1A00}"/>
+                <a16:creationId xmlns:a16="http://schemas.microsoft.com/office/drawing/2014/main" id="{785CB4B8-EDAF-6D04-5228-012C70AA487E}"/>
               </a:ext>
             </a:extLst>
           </p:cNvPr>
@@ -236,7 +236,7 @@
           <p:cNvPr id="4" name="日期占位符 3">
             <a:extLst>
               <a:ext uri="{FF2B5EF4-FFF2-40B4-BE49-F238E27FC236}">
-                <a16:creationId xmlns:a16="http://schemas.microsoft.com/office/drawing/2014/main" id="{64A97468-4913-4DF8-F0F5-C7708F483822}"/>
+                <a16:creationId xmlns:a16="http://schemas.microsoft.com/office/drawing/2014/main" id="{8F9218A8-69B7-5753-9D20-A8467FA74820}"/>
               </a:ext>
             </a:extLst>
           </p:cNvPr>
@@ -252,7 +252,7 @@
           <a:bodyPr/>
           <a:lstStyle/>
           <a:p>
-            <a:fld id="{A642E6E4-43EC-467C-9A68-2A8170773C52}" type="datetimeFigureOut">
+            <a:fld id="{B1CD5916-CF1E-453A-A6F9-D6A4FF66D6F3}" type="datetimeFigureOut">
               <a:rPr lang="zh-CN" altLang="en-US" smtClean="0"/>
               <a:t>2024/3/10</a:t>
             </a:fld>
@@ -265,7 +265,7 @@
           <p:cNvPr id="5" name="页脚占位符 4">
             <a:extLst>
               <a:ext uri="{FF2B5EF4-FFF2-40B4-BE49-F238E27FC236}">
-                <a16:creationId xmlns:a16="http://schemas.microsoft.com/office/drawing/2014/main" id="{B9A624AD-08A6-83AB-B6D4-8BFD2369E6FD}"/>
+                <a16:creationId xmlns:a16="http://schemas.microsoft.com/office/drawing/2014/main" id="{A9A391DB-0440-6478-91AA-58A2EF154CEF}"/>
               </a:ext>
             </a:extLst>
           </p:cNvPr>
@@ -290,7 +290,7 @@
           <p:cNvPr id="6" name="灯片编号占位符 5">
             <a:extLst>
               <a:ext uri="{FF2B5EF4-FFF2-40B4-BE49-F238E27FC236}">
-                <a16:creationId xmlns:a16="http://schemas.microsoft.com/office/drawing/2014/main" id="{62EC3777-4976-FAF0-BB68-15A79CAE31B8}"/>
+                <a16:creationId xmlns:a16="http://schemas.microsoft.com/office/drawing/2014/main" id="{D8C77F2E-BB51-124B-01FA-3230ECAABD7F}"/>
               </a:ext>
             </a:extLst>
           </p:cNvPr>
@@ -306,7 +306,7 @@
           <a:bodyPr/>
           <a:lstStyle/>
           <a:p>
-            <a:fld id="{19941030-A1DD-49C8-BB65-4FC887AF8004}" type="slidenum">
+            <a:fld id="{89A83918-9015-490D-B70E-4DE5076CD5AC}" type="slidenum">
               <a:rPr lang="zh-CN" altLang="en-US" smtClean="0"/>
               <a:t>‹#›</a:t>
             </a:fld>
@@ -317,7 +317,7 @@
     </p:spTree>
     <p:extLst>
       <p:ext uri="{BB962C8B-B14F-4D97-AF65-F5344CB8AC3E}">
-        <p14:creationId xmlns:p14="http://schemas.microsoft.com/office/powerpoint/2010/main" val="1819248035"/>
+        <p14:creationId xmlns:p14="http://schemas.microsoft.com/office/powerpoint/2010/main" val="2674845269"/>
       </p:ext>
     </p:extLst>
   </p:cSld>
@@ -349,7 +349,7 @@
           <p:cNvPr id="2" name="标题 1">
             <a:extLst>
               <a:ext uri="{FF2B5EF4-FFF2-40B4-BE49-F238E27FC236}">
-                <a16:creationId xmlns:a16="http://schemas.microsoft.com/office/drawing/2014/main" id="{BAD20154-92A7-DF98-1798-3BEAEAD8B65C}"/>
+                <a16:creationId xmlns:a16="http://schemas.microsoft.com/office/drawing/2014/main" id="{E85883D8-BA4F-8A23-8083-19E35CBA0F78}"/>
               </a:ext>
             </a:extLst>
           </p:cNvPr>
@@ -377,7 +377,7 @@
           <p:cNvPr id="3" name="竖排文字占位符 2">
             <a:extLst>
               <a:ext uri="{FF2B5EF4-FFF2-40B4-BE49-F238E27FC236}">
-                <a16:creationId xmlns:a16="http://schemas.microsoft.com/office/drawing/2014/main" id="{E57D79FF-26AD-CD33-15FF-2C2A49001E03}"/>
+                <a16:creationId xmlns:a16="http://schemas.microsoft.com/office/drawing/2014/main" id="{A1F90EE6-0418-6FAA-F68F-94D59AA33564}"/>
               </a:ext>
             </a:extLst>
           </p:cNvPr>
@@ -434,7 +434,7 @@
           <p:cNvPr id="4" name="日期占位符 3">
             <a:extLst>
               <a:ext uri="{FF2B5EF4-FFF2-40B4-BE49-F238E27FC236}">
-                <a16:creationId xmlns:a16="http://schemas.microsoft.com/office/drawing/2014/main" id="{BA54082D-5856-1F05-B639-F0BB2340918F}"/>
+                <a16:creationId xmlns:a16="http://schemas.microsoft.com/office/drawing/2014/main" id="{7CF46C21-F67A-0482-C733-ED8461CC2874}"/>
               </a:ext>
             </a:extLst>
           </p:cNvPr>
@@ -450,7 +450,7 @@
           <a:bodyPr/>
           <a:lstStyle/>
           <a:p>
-            <a:fld id="{A642E6E4-43EC-467C-9A68-2A8170773C52}" type="datetimeFigureOut">
+            <a:fld id="{B1CD5916-CF1E-453A-A6F9-D6A4FF66D6F3}" type="datetimeFigureOut">
               <a:rPr lang="zh-CN" altLang="en-US" smtClean="0"/>
               <a:t>2024/3/10</a:t>
             </a:fld>
@@ -463,7 +463,7 @@
           <p:cNvPr id="5" name="页脚占位符 4">
             <a:extLst>
               <a:ext uri="{FF2B5EF4-FFF2-40B4-BE49-F238E27FC236}">
-                <a16:creationId xmlns:a16="http://schemas.microsoft.com/office/drawing/2014/main" id="{3F46EC85-B7F4-A1FA-F343-3DB630A6F260}"/>
+                <a16:creationId xmlns:a16="http://schemas.microsoft.com/office/drawing/2014/main" id="{E83E2F76-6C1E-3B67-0D30-6DA21FB0E1BF}"/>
               </a:ext>
             </a:extLst>
           </p:cNvPr>
@@ -488,7 +488,7 @@
           <p:cNvPr id="6" name="灯片编号占位符 5">
             <a:extLst>
               <a:ext uri="{FF2B5EF4-FFF2-40B4-BE49-F238E27FC236}">
-                <a16:creationId xmlns:a16="http://schemas.microsoft.com/office/drawing/2014/main" id="{C14A637F-9400-402E-FB99-17BB102C1A81}"/>
+                <a16:creationId xmlns:a16="http://schemas.microsoft.com/office/drawing/2014/main" id="{0789B167-5FA6-5CDB-AC14-4E80892764F3}"/>
               </a:ext>
             </a:extLst>
           </p:cNvPr>
@@ -504,7 +504,7 @@
           <a:bodyPr/>
           <a:lstStyle/>
           <a:p>
-            <a:fld id="{19941030-A1DD-49C8-BB65-4FC887AF8004}" type="slidenum">
+            <a:fld id="{89A83918-9015-490D-B70E-4DE5076CD5AC}" type="slidenum">
               <a:rPr lang="zh-CN" altLang="en-US" smtClean="0"/>
               <a:t>‹#›</a:t>
             </a:fld>
@@ -515,7 +515,7 @@
     </p:spTree>
     <p:extLst>
       <p:ext uri="{BB962C8B-B14F-4D97-AF65-F5344CB8AC3E}">
-        <p14:creationId xmlns:p14="http://schemas.microsoft.com/office/powerpoint/2010/main" val="2478832122"/>
+        <p14:creationId xmlns:p14="http://schemas.microsoft.com/office/powerpoint/2010/main" val="1843360735"/>
       </p:ext>
     </p:extLst>
   </p:cSld>
@@ -547,7 +547,7 @@
           <p:cNvPr id="2" name="竖排标题 1">
             <a:extLst>
               <a:ext uri="{FF2B5EF4-FFF2-40B4-BE49-F238E27FC236}">
-                <a16:creationId xmlns:a16="http://schemas.microsoft.com/office/drawing/2014/main" id="{D5721AFC-E00A-C060-F678-9CFD50CC83E4}"/>
+                <a16:creationId xmlns:a16="http://schemas.microsoft.com/office/drawing/2014/main" id="{5BEBC730-DA89-53E5-80C0-DABB41A6B695}"/>
               </a:ext>
             </a:extLst>
           </p:cNvPr>
@@ -580,7 +580,7 @@
           <p:cNvPr id="3" name="竖排文字占位符 2">
             <a:extLst>
               <a:ext uri="{FF2B5EF4-FFF2-40B4-BE49-F238E27FC236}">
-                <a16:creationId xmlns:a16="http://schemas.microsoft.com/office/drawing/2014/main" id="{96A2B1D3-BEAD-BAB1-65F8-FBC726CEB77C}"/>
+                <a16:creationId xmlns:a16="http://schemas.microsoft.com/office/drawing/2014/main" id="{E6678B8C-572F-F60F-F71F-0BE293D03F54}"/>
               </a:ext>
             </a:extLst>
           </p:cNvPr>
@@ -642,7 +642,7 @@
           <p:cNvPr id="4" name="日期占位符 3">
             <a:extLst>
               <a:ext uri="{FF2B5EF4-FFF2-40B4-BE49-F238E27FC236}">
-                <a16:creationId xmlns:a16="http://schemas.microsoft.com/office/drawing/2014/main" id="{D4C50683-333B-E024-2225-44DA23C90ED1}"/>
+                <a16:creationId xmlns:a16="http://schemas.microsoft.com/office/drawing/2014/main" id="{CE4D951F-32C8-E32B-D2F8-6477DC9BD353}"/>
               </a:ext>
             </a:extLst>
           </p:cNvPr>
@@ -658,7 +658,7 @@
           <a:bodyPr/>
           <a:lstStyle/>
           <a:p>
-            <a:fld id="{A642E6E4-43EC-467C-9A68-2A8170773C52}" type="datetimeFigureOut">
+            <a:fld id="{B1CD5916-CF1E-453A-A6F9-D6A4FF66D6F3}" type="datetimeFigureOut">
               <a:rPr lang="zh-CN" altLang="en-US" smtClean="0"/>
               <a:t>2024/3/10</a:t>
             </a:fld>
@@ -671,7 +671,7 @@
           <p:cNvPr id="5" name="页脚占位符 4">
             <a:extLst>
               <a:ext uri="{FF2B5EF4-FFF2-40B4-BE49-F238E27FC236}">
-                <a16:creationId xmlns:a16="http://schemas.microsoft.com/office/drawing/2014/main" id="{B9D6927C-8B32-D6F7-E859-633216429512}"/>
+                <a16:creationId xmlns:a16="http://schemas.microsoft.com/office/drawing/2014/main" id="{077CD560-1ABD-02A9-3A44-00114AEB048F}"/>
               </a:ext>
             </a:extLst>
           </p:cNvPr>
@@ -696,7 +696,7 @@
           <p:cNvPr id="6" name="灯片编号占位符 5">
             <a:extLst>
               <a:ext uri="{FF2B5EF4-FFF2-40B4-BE49-F238E27FC236}">
-                <a16:creationId xmlns:a16="http://schemas.microsoft.com/office/drawing/2014/main" id="{DF148C8A-E845-DF8B-305C-E72DA9CF7F48}"/>
+                <a16:creationId xmlns:a16="http://schemas.microsoft.com/office/drawing/2014/main" id="{1B277B44-66F7-CD8B-97BE-C47F1F33CEE1}"/>
               </a:ext>
             </a:extLst>
           </p:cNvPr>
@@ -712,7 +712,7 @@
           <a:bodyPr/>
           <a:lstStyle/>
           <a:p>
-            <a:fld id="{19941030-A1DD-49C8-BB65-4FC887AF8004}" type="slidenum">
+            <a:fld id="{89A83918-9015-490D-B70E-4DE5076CD5AC}" type="slidenum">
               <a:rPr lang="zh-CN" altLang="en-US" smtClean="0"/>
               <a:t>‹#›</a:t>
             </a:fld>
@@ -723,7 +723,7 @@
     </p:spTree>
     <p:extLst>
       <p:ext uri="{BB962C8B-B14F-4D97-AF65-F5344CB8AC3E}">
-        <p14:creationId xmlns:p14="http://schemas.microsoft.com/office/powerpoint/2010/main" val="2695618185"/>
+        <p14:creationId xmlns:p14="http://schemas.microsoft.com/office/powerpoint/2010/main" val="2615071953"/>
       </p:ext>
     </p:extLst>
   </p:cSld>
@@ -755,7 +755,7 @@
           <p:cNvPr id="2" name="标题 1">
             <a:extLst>
               <a:ext uri="{FF2B5EF4-FFF2-40B4-BE49-F238E27FC236}">
-                <a16:creationId xmlns:a16="http://schemas.microsoft.com/office/drawing/2014/main" id="{0AFA6685-766C-9F5F-B4E5-F1932D5C3C14}"/>
+                <a16:creationId xmlns:a16="http://schemas.microsoft.com/office/drawing/2014/main" id="{56192411-2544-3C3A-8F22-0B3B0570D6AA}"/>
               </a:ext>
             </a:extLst>
           </p:cNvPr>
@@ -783,7 +783,7 @@
           <p:cNvPr id="3" name="内容占位符 2">
             <a:extLst>
               <a:ext uri="{FF2B5EF4-FFF2-40B4-BE49-F238E27FC236}">
-                <a16:creationId xmlns:a16="http://schemas.microsoft.com/office/drawing/2014/main" id="{E5AFCF20-B33B-229F-C694-49887EB593B1}"/>
+                <a16:creationId xmlns:a16="http://schemas.microsoft.com/office/drawing/2014/main" id="{FAB063BA-63AE-7624-1AB2-2FD19654E6D7}"/>
               </a:ext>
             </a:extLst>
           </p:cNvPr>
@@ -840,7 +840,7 @@
           <p:cNvPr id="4" name="日期占位符 3">
             <a:extLst>
               <a:ext uri="{FF2B5EF4-FFF2-40B4-BE49-F238E27FC236}">
-                <a16:creationId xmlns:a16="http://schemas.microsoft.com/office/drawing/2014/main" id="{CEB36CF1-BFD7-34D6-B174-9736DE7E3A06}"/>
+                <a16:creationId xmlns:a16="http://schemas.microsoft.com/office/drawing/2014/main" id="{A2D72900-A016-8890-08B1-BCC1C52BFB28}"/>
               </a:ext>
             </a:extLst>
           </p:cNvPr>
@@ -856,7 +856,7 @@
           <a:bodyPr/>
           <a:lstStyle/>
           <a:p>
-            <a:fld id="{A642E6E4-43EC-467C-9A68-2A8170773C52}" type="datetimeFigureOut">
+            <a:fld id="{B1CD5916-CF1E-453A-A6F9-D6A4FF66D6F3}" type="datetimeFigureOut">
               <a:rPr lang="zh-CN" altLang="en-US" smtClean="0"/>
               <a:t>2024/3/10</a:t>
             </a:fld>
@@ -869,7 +869,7 @@
           <p:cNvPr id="5" name="页脚占位符 4">
             <a:extLst>
               <a:ext uri="{FF2B5EF4-FFF2-40B4-BE49-F238E27FC236}">
-                <a16:creationId xmlns:a16="http://schemas.microsoft.com/office/drawing/2014/main" id="{0D371B04-15D7-CE2C-2156-1BD61EC4CEB5}"/>
+                <a16:creationId xmlns:a16="http://schemas.microsoft.com/office/drawing/2014/main" id="{2ED02A0B-84AC-7A21-FF31-0E80AE10BD35}"/>
               </a:ext>
             </a:extLst>
           </p:cNvPr>
@@ -894,7 +894,7 @@
           <p:cNvPr id="6" name="灯片编号占位符 5">
             <a:extLst>
               <a:ext uri="{FF2B5EF4-FFF2-40B4-BE49-F238E27FC236}">
-                <a16:creationId xmlns:a16="http://schemas.microsoft.com/office/drawing/2014/main" id="{E1D5A7A0-0615-A6C8-5CA5-7AF77F97D55A}"/>
+                <a16:creationId xmlns:a16="http://schemas.microsoft.com/office/drawing/2014/main" id="{7221B28F-5BA0-FB9A-4D2D-662DA5C9429B}"/>
               </a:ext>
             </a:extLst>
           </p:cNvPr>
@@ -910,7 +910,7 @@
           <a:bodyPr/>
           <a:lstStyle/>
           <a:p>
-            <a:fld id="{19941030-A1DD-49C8-BB65-4FC887AF8004}" type="slidenum">
+            <a:fld id="{89A83918-9015-490D-B70E-4DE5076CD5AC}" type="slidenum">
               <a:rPr lang="zh-CN" altLang="en-US" smtClean="0"/>
               <a:t>‹#›</a:t>
             </a:fld>
@@ -921,7 +921,7 @@
     </p:spTree>
     <p:extLst>
       <p:ext uri="{BB962C8B-B14F-4D97-AF65-F5344CB8AC3E}">
-        <p14:creationId xmlns:p14="http://schemas.microsoft.com/office/powerpoint/2010/main" val="1649002645"/>
+        <p14:creationId xmlns:p14="http://schemas.microsoft.com/office/powerpoint/2010/main" val="1332876697"/>
       </p:ext>
     </p:extLst>
   </p:cSld>
@@ -953,7 +953,7 @@
           <p:cNvPr id="2" name="标题 1">
             <a:extLst>
               <a:ext uri="{FF2B5EF4-FFF2-40B4-BE49-F238E27FC236}">
-                <a16:creationId xmlns:a16="http://schemas.microsoft.com/office/drawing/2014/main" id="{8777A43D-01C4-D5EF-2FF3-962671E63719}"/>
+                <a16:creationId xmlns:a16="http://schemas.microsoft.com/office/drawing/2014/main" id="{64DA0996-6D63-3167-FC82-AAF19012F67C}"/>
               </a:ext>
             </a:extLst>
           </p:cNvPr>
@@ -990,7 +990,7 @@
           <p:cNvPr id="3" name="文本占位符 2">
             <a:extLst>
               <a:ext uri="{FF2B5EF4-FFF2-40B4-BE49-F238E27FC236}">
-                <a16:creationId xmlns:a16="http://schemas.microsoft.com/office/drawing/2014/main" id="{0E9BF634-D653-05E9-F745-3DDCCFE1F78A}"/>
+                <a16:creationId xmlns:a16="http://schemas.microsoft.com/office/drawing/2014/main" id="{2E31D466-03B8-902B-A937-1D3595B80FF7}"/>
               </a:ext>
             </a:extLst>
           </p:cNvPr>
@@ -1115,7 +1115,7 @@
           <p:cNvPr id="4" name="日期占位符 3">
             <a:extLst>
               <a:ext uri="{FF2B5EF4-FFF2-40B4-BE49-F238E27FC236}">
-                <a16:creationId xmlns:a16="http://schemas.microsoft.com/office/drawing/2014/main" id="{6980989B-9968-CF0F-4CF0-83E6158F489E}"/>
+                <a16:creationId xmlns:a16="http://schemas.microsoft.com/office/drawing/2014/main" id="{7C3D1C2F-9208-1C95-E6C5-C502E5B28082}"/>
               </a:ext>
             </a:extLst>
           </p:cNvPr>
@@ -1131,7 +1131,7 @@
           <a:bodyPr/>
           <a:lstStyle/>
           <a:p>
-            <a:fld id="{A642E6E4-43EC-467C-9A68-2A8170773C52}" type="datetimeFigureOut">
+            <a:fld id="{B1CD5916-CF1E-453A-A6F9-D6A4FF66D6F3}" type="datetimeFigureOut">
               <a:rPr lang="zh-CN" altLang="en-US" smtClean="0"/>
               <a:t>2024/3/10</a:t>
             </a:fld>
@@ -1144,7 +1144,7 @@
           <p:cNvPr id="5" name="页脚占位符 4">
             <a:extLst>
               <a:ext uri="{FF2B5EF4-FFF2-40B4-BE49-F238E27FC236}">
-                <a16:creationId xmlns:a16="http://schemas.microsoft.com/office/drawing/2014/main" id="{66F884EC-2B57-1034-2A9B-E52379CEE05C}"/>
+                <a16:creationId xmlns:a16="http://schemas.microsoft.com/office/drawing/2014/main" id="{660DC923-62EC-4447-9B39-A8920873E996}"/>
               </a:ext>
             </a:extLst>
           </p:cNvPr>
@@ -1169,7 +1169,7 @@
           <p:cNvPr id="6" name="灯片编号占位符 5">
             <a:extLst>
               <a:ext uri="{FF2B5EF4-FFF2-40B4-BE49-F238E27FC236}">
-                <a16:creationId xmlns:a16="http://schemas.microsoft.com/office/drawing/2014/main" id="{59578B06-8B1B-4623-BC46-BD48E86F40BF}"/>
+                <a16:creationId xmlns:a16="http://schemas.microsoft.com/office/drawing/2014/main" id="{791BD60E-E109-CC7F-EF7D-EA758169E474}"/>
               </a:ext>
             </a:extLst>
           </p:cNvPr>
@@ -1185,7 +1185,7 @@
           <a:bodyPr/>
           <a:lstStyle/>
           <a:p>
-            <a:fld id="{19941030-A1DD-49C8-BB65-4FC887AF8004}" type="slidenum">
+            <a:fld id="{89A83918-9015-490D-B70E-4DE5076CD5AC}" type="slidenum">
               <a:rPr lang="zh-CN" altLang="en-US" smtClean="0"/>
               <a:t>‹#›</a:t>
             </a:fld>
@@ -1196,7 +1196,7 @@
     </p:spTree>
     <p:extLst>
       <p:ext uri="{BB962C8B-B14F-4D97-AF65-F5344CB8AC3E}">
-        <p14:creationId xmlns:p14="http://schemas.microsoft.com/office/powerpoint/2010/main" val="2782926384"/>
+        <p14:creationId xmlns:p14="http://schemas.microsoft.com/office/powerpoint/2010/main" val="2226534815"/>
       </p:ext>
     </p:extLst>
   </p:cSld>
@@ -1228,7 +1228,7 @@
           <p:cNvPr id="2" name="标题 1">
             <a:extLst>
               <a:ext uri="{FF2B5EF4-FFF2-40B4-BE49-F238E27FC236}">
-                <a16:creationId xmlns:a16="http://schemas.microsoft.com/office/drawing/2014/main" id="{AD16FFC1-2349-EC80-6118-35AE185DB4E3}"/>
+                <a16:creationId xmlns:a16="http://schemas.microsoft.com/office/drawing/2014/main" id="{1AD2A661-94BF-B36F-87FE-FA35920F4E6D}"/>
               </a:ext>
             </a:extLst>
           </p:cNvPr>
@@ -1256,7 +1256,7 @@
           <p:cNvPr id="3" name="内容占位符 2">
             <a:extLst>
               <a:ext uri="{FF2B5EF4-FFF2-40B4-BE49-F238E27FC236}">
-                <a16:creationId xmlns:a16="http://schemas.microsoft.com/office/drawing/2014/main" id="{C944B71E-8611-3AB4-68BC-3E8D47B0086C}"/>
+                <a16:creationId xmlns:a16="http://schemas.microsoft.com/office/drawing/2014/main" id="{77009408-0B88-9152-0EAC-6DB097EA59FB}"/>
               </a:ext>
             </a:extLst>
           </p:cNvPr>
@@ -1318,7 +1318,7 @@
           <p:cNvPr id="4" name="内容占位符 3">
             <a:extLst>
               <a:ext uri="{FF2B5EF4-FFF2-40B4-BE49-F238E27FC236}">
-                <a16:creationId xmlns:a16="http://schemas.microsoft.com/office/drawing/2014/main" id="{C1B07AC6-B227-C9FD-FE97-B4F607F7D2DA}"/>
+                <a16:creationId xmlns:a16="http://schemas.microsoft.com/office/drawing/2014/main" id="{90515CB4-A977-856D-AF3E-6FF549C4B32C}"/>
               </a:ext>
             </a:extLst>
           </p:cNvPr>
@@ -1380,7 +1380,7 @@
           <p:cNvPr id="5" name="日期占位符 4">
             <a:extLst>
               <a:ext uri="{FF2B5EF4-FFF2-40B4-BE49-F238E27FC236}">
-                <a16:creationId xmlns:a16="http://schemas.microsoft.com/office/drawing/2014/main" id="{F77B22DA-8725-8217-0F6C-BDDE00989DD7}"/>
+                <a16:creationId xmlns:a16="http://schemas.microsoft.com/office/drawing/2014/main" id="{D3A59722-E645-E436-888D-F54F3D06CFA7}"/>
               </a:ext>
             </a:extLst>
           </p:cNvPr>
@@ -1396,7 +1396,7 @@
           <a:bodyPr/>
           <a:lstStyle/>
           <a:p>
-            <a:fld id="{A642E6E4-43EC-467C-9A68-2A8170773C52}" type="datetimeFigureOut">
+            <a:fld id="{B1CD5916-CF1E-453A-A6F9-D6A4FF66D6F3}" type="datetimeFigureOut">
               <a:rPr lang="zh-CN" altLang="en-US" smtClean="0"/>
               <a:t>2024/3/10</a:t>
             </a:fld>
@@ -1409,7 +1409,7 @@
           <p:cNvPr id="6" name="页脚占位符 5">
             <a:extLst>
               <a:ext uri="{FF2B5EF4-FFF2-40B4-BE49-F238E27FC236}">
-                <a16:creationId xmlns:a16="http://schemas.microsoft.com/office/drawing/2014/main" id="{5B84C488-79BD-9D2A-E18B-2F0A34D84520}"/>
+                <a16:creationId xmlns:a16="http://schemas.microsoft.com/office/drawing/2014/main" id="{DDA06488-9C35-B256-19F2-1D1F020D0EBD}"/>
               </a:ext>
             </a:extLst>
           </p:cNvPr>
@@ -1434,7 +1434,7 @@
           <p:cNvPr id="7" name="灯片编号占位符 6">
             <a:extLst>
               <a:ext uri="{FF2B5EF4-FFF2-40B4-BE49-F238E27FC236}">
-                <a16:creationId xmlns:a16="http://schemas.microsoft.com/office/drawing/2014/main" id="{9EB6A80B-A8C4-F71D-2EB3-3FF4F35C9AF9}"/>
+                <a16:creationId xmlns:a16="http://schemas.microsoft.com/office/drawing/2014/main" id="{1F41D592-2323-5555-549D-31D5BC66C984}"/>
               </a:ext>
             </a:extLst>
           </p:cNvPr>
@@ -1450,7 +1450,7 @@
           <a:bodyPr/>
           <a:lstStyle/>
           <a:p>
-            <a:fld id="{19941030-A1DD-49C8-BB65-4FC887AF8004}" type="slidenum">
+            <a:fld id="{89A83918-9015-490D-B70E-4DE5076CD5AC}" type="slidenum">
               <a:rPr lang="zh-CN" altLang="en-US" smtClean="0"/>
               <a:t>‹#›</a:t>
             </a:fld>
@@ -1461,7 +1461,7 @@
     </p:spTree>
     <p:extLst>
       <p:ext uri="{BB962C8B-B14F-4D97-AF65-F5344CB8AC3E}">
-        <p14:creationId xmlns:p14="http://schemas.microsoft.com/office/powerpoint/2010/main" val="4015754704"/>
+        <p14:creationId xmlns:p14="http://schemas.microsoft.com/office/powerpoint/2010/main" val="1556464765"/>
       </p:ext>
     </p:extLst>
   </p:cSld>
@@ -1493,7 +1493,7 @@
           <p:cNvPr id="2" name="标题 1">
             <a:extLst>
               <a:ext uri="{FF2B5EF4-FFF2-40B4-BE49-F238E27FC236}">
-                <a16:creationId xmlns:a16="http://schemas.microsoft.com/office/drawing/2014/main" id="{E885DF7A-E216-C615-5074-1E94088AE0D1}"/>
+                <a16:creationId xmlns:a16="http://schemas.microsoft.com/office/drawing/2014/main" id="{157692AE-620E-6C45-7D28-02443B85A198}"/>
               </a:ext>
             </a:extLst>
           </p:cNvPr>
@@ -1526,7 +1526,7 @@
           <p:cNvPr id="3" name="文本占位符 2">
             <a:extLst>
               <a:ext uri="{FF2B5EF4-FFF2-40B4-BE49-F238E27FC236}">
-                <a16:creationId xmlns:a16="http://schemas.microsoft.com/office/drawing/2014/main" id="{6A30AF06-5752-0D94-9A80-F651F234CF45}"/>
+                <a16:creationId xmlns:a16="http://schemas.microsoft.com/office/drawing/2014/main" id="{7F0D1F55-8DF4-694E-EFBE-73A1EE7EFA6A}"/>
               </a:ext>
             </a:extLst>
           </p:cNvPr>
@@ -1597,7 +1597,7 @@
           <p:cNvPr id="4" name="内容占位符 3">
             <a:extLst>
               <a:ext uri="{FF2B5EF4-FFF2-40B4-BE49-F238E27FC236}">
-                <a16:creationId xmlns:a16="http://schemas.microsoft.com/office/drawing/2014/main" id="{CB404A4F-4F1A-85B3-D94F-3F971B90314F}"/>
+                <a16:creationId xmlns:a16="http://schemas.microsoft.com/office/drawing/2014/main" id="{340FA3DB-8926-E413-8AE1-5357350D7E95}"/>
               </a:ext>
             </a:extLst>
           </p:cNvPr>
@@ -1659,7 +1659,7 @@
           <p:cNvPr id="5" name="文本占位符 4">
             <a:extLst>
               <a:ext uri="{FF2B5EF4-FFF2-40B4-BE49-F238E27FC236}">
-                <a16:creationId xmlns:a16="http://schemas.microsoft.com/office/drawing/2014/main" id="{490ABADB-E16A-C7F0-8A3E-9F4304EA3674}"/>
+                <a16:creationId xmlns:a16="http://schemas.microsoft.com/office/drawing/2014/main" id="{BA3E3536-89CF-1858-3BA5-E568F77F40FB}"/>
               </a:ext>
             </a:extLst>
           </p:cNvPr>
@@ -1730,7 +1730,7 @@
           <p:cNvPr id="6" name="内容占位符 5">
             <a:extLst>
               <a:ext uri="{FF2B5EF4-FFF2-40B4-BE49-F238E27FC236}">
-                <a16:creationId xmlns:a16="http://schemas.microsoft.com/office/drawing/2014/main" id="{564C7E7E-B9D8-A029-0535-F179DA3B314C}"/>
+                <a16:creationId xmlns:a16="http://schemas.microsoft.com/office/drawing/2014/main" id="{5EAB42C5-0214-E948-24E4-930685393DC6}"/>
               </a:ext>
             </a:extLst>
           </p:cNvPr>
@@ -1792,7 +1792,7 @@
           <p:cNvPr id="7" name="日期占位符 6">
             <a:extLst>
               <a:ext uri="{FF2B5EF4-FFF2-40B4-BE49-F238E27FC236}">
-                <a16:creationId xmlns:a16="http://schemas.microsoft.com/office/drawing/2014/main" id="{088E4E2C-C2C5-4F37-C10A-226D2564A545}"/>
+                <a16:creationId xmlns:a16="http://schemas.microsoft.com/office/drawing/2014/main" id="{0A703966-E993-2A1B-4E41-B214B873B9DE}"/>
               </a:ext>
             </a:extLst>
           </p:cNvPr>
@@ -1808,7 +1808,7 @@
           <a:bodyPr/>
           <a:lstStyle/>
           <a:p>
-            <a:fld id="{A642E6E4-43EC-467C-9A68-2A8170773C52}" type="datetimeFigureOut">
+            <a:fld id="{B1CD5916-CF1E-453A-A6F9-D6A4FF66D6F3}" type="datetimeFigureOut">
               <a:rPr lang="zh-CN" altLang="en-US" smtClean="0"/>
               <a:t>2024/3/10</a:t>
             </a:fld>
@@ -1821,7 +1821,7 @@
           <p:cNvPr id="8" name="页脚占位符 7">
             <a:extLst>
               <a:ext uri="{FF2B5EF4-FFF2-40B4-BE49-F238E27FC236}">
-                <a16:creationId xmlns:a16="http://schemas.microsoft.com/office/drawing/2014/main" id="{44B6AD6D-2DDF-6A47-7441-E59CADF39D74}"/>
+                <a16:creationId xmlns:a16="http://schemas.microsoft.com/office/drawing/2014/main" id="{1FB2CA25-3AEA-6B11-6201-BB181FCD22D8}"/>
               </a:ext>
             </a:extLst>
           </p:cNvPr>
@@ -1846,7 +1846,7 @@
           <p:cNvPr id="9" name="灯片编号占位符 8">
             <a:extLst>
               <a:ext uri="{FF2B5EF4-FFF2-40B4-BE49-F238E27FC236}">
-                <a16:creationId xmlns:a16="http://schemas.microsoft.com/office/drawing/2014/main" id="{E999168A-A95F-9FE5-1120-0127CBC07318}"/>
+                <a16:creationId xmlns:a16="http://schemas.microsoft.com/office/drawing/2014/main" id="{7DA18640-40F6-501F-5009-A84692EE9AFD}"/>
               </a:ext>
             </a:extLst>
           </p:cNvPr>
@@ -1862,7 +1862,7 @@
           <a:bodyPr/>
           <a:lstStyle/>
           <a:p>
-            <a:fld id="{19941030-A1DD-49C8-BB65-4FC887AF8004}" type="slidenum">
+            <a:fld id="{89A83918-9015-490D-B70E-4DE5076CD5AC}" type="slidenum">
               <a:rPr lang="zh-CN" altLang="en-US" smtClean="0"/>
               <a:t>‹#›</a:t>
             </a:fld>
@@ -1873,7 +1873,7 @@
     </p:spTree>
     <p:extLst>
       <p:ext uri="{BB962C8B-B14F-4D97-AF65-F5344CB8AC3E}">
-        <p14:creationId xmlns:p14="http://schemas.microsoft.com/office/powerpoint/2010/main" val="748298767"/>
+        <p14:creationId xmlns:p14="http://schemas.microsoft.com/office/powerpoint/2010/main" val="32391120"/>
       </p:ext>
     </p:extLst>
   </p:cSld>
@@ -1905,7 +1905,7 @@
           <p:cNvPr id="2" name="标题 1">
             <a:extLst>
               <a:ext uri="{FF2B5EF4-FFF2-40B4-BE49-F238E27FC236}">
-                <a16:creationId xmlns:a16="http://schemas.microsoft.com/office/drawing/2014/main" id="{334361F8-6333-B2A2-548B-2E2B10F1CAE1}"/>
+                <a16:creationId xmlns:a16="http://schemas.microsoft.com/office/drawing/2014/main" id="{875CCD17-21BA-89A8-4D20-AF6367FADF4E}"/>
               </a:ext>
             </a:extLst>
           </p:cNvPr>
@@ -1933,7 +1933,7 @@
           <p:cNvPr id="3" name="日期占位符 2">
             <a:extLst>
               <a:ext uri="{FF2B5EF4-FFF2-40B4-BE49-F238E27FC236}">
-                <a16:creationId xmlns:a16="http://schemas.microsoft.com/office/drawing/2014/main" id="{B78401E0-0CD2-5D6B-3A37-250FF9A00666}"/>
+                <a16:creationId xmlns:a16="http://schemas.microsoft.com/office/drawing/2014/main" id="{4194A434-1C9E-B8DA-7B49-B01804D4262D}"/>
               </a:ext>
             </a:extLst>
           </p:cNvPr>
@@ -1949,7 +1949,7 @@
           <a:bodyPr/>
           <a:lstStyle/>
           <a:p>
-            <a:fld id="{A642E6E4-43EC-467C-9A68-2A8170773C52}" type="datetimeFigureOut">
+            <a:fld id="{B1CD5916-CF1E-453A-A6F9-D6A4FF66D6F3}" type="datetimeFigureOut">
               <a:rPr lang="zh-CN" altLang="en-US" smtClean="0"/>
               <a:t>2024/3/10</a:t>
             </a:fld>
@@ -1962,7 +1962,7 @@
           <p:cNvPr id="4" name="页脚占位符 3">
             <a:extLst>
               <a:ext uri="{FF2B5EF4-FFF2-40B4-BE49-F238E27FC236}">
-                <a16:creationId xmlns:a16="http://schemas.microsoft.com/office/drawing/2014/main" id="{E09C8A78-0837-91BF-29C3-53A96CEE0130}"/>
+                <a16:creationId xmlns:a16="http://schemas.microsoft.com/office/drawing/2014/main" id="{9D0441A0-E001-56CC-32F7-B4191E244BA4}"/>
               </a:ext>
             </a:extLst>
           </p:cNvPr>
@@ -1987,7 +1987,7 @@
           <p:cNvPr id="5" name="灯片编号占位符 4">
             <a:extLst>
               <a:ext uri="{FF2B5EF4-FFF2-40B4-BE49-F238E27FC236}">
-                <a16:creationId xmlns:a16="http://schemas.microsoft.com/office/drawing/2014/main" id="{02971AE2-3919-1E51-2568-D180A71E0E38}"/>
+                <a16:creationId xmlns:a16="http://schemas.microsoft.com/office/drawing/2014/main" id="{283CA991-8F6E-0550-F547-0F2444D3603B}"/>
               </a:ext>
             </a:extLst>
           </p:cNvPr>
@@ -2003,7 +2003,7 @@
           <a:bodyPr/>
           <a:lstStyle/>
           <a:p>
-            <a:fld id="{19941030-A1DD-49C8-BB65-4FC887AF8004}" type="slidenum">
+            <a:fld id="{89A83918-9015-490D-B70E-4DE5076CD5AC}" type="slidenum">
               <a:rPr lang="zh-CN" altLang="en-US" smtClean="0"/>
               <a:t>‹#›</a:t>
             </a:fld>
@@ -2014,7 +2014,7 @@
     </p:spTree>
     <p:extLst>
       <p:ext uri="{BB962C8B-B14F-4D97-AF65-F5344CB8AC3E}">
-        <p14:creationId xmlns:p14="http://schemas.microsoft.com/office/powerpoint/2010/main" val="4025488701"/>
+        <p14:creationId xmlns:p14="http://schemas.microsoft.com/office/powerpoint/2010/main" val="2952195926"/>
       </p:ext>
     </p:extLst>
   </p:cSld>
@@ -2046,7 +2046,7 @@
           <p:cNvPr id="2" name="日期占位符 1">
             <a:extLst>
               <a:ext uri="{FF2B5EF4-FFF2-40B4-BE49-F238E27FC236}">
-                <a16:creationId xmlns:a16="http://schemas.microsoft.com/office/drawing/2014/main" id="{883E2B97-A3F4-EF8F-DDCB-BED84CF23B1B}"/>
+                <a16:creationId xmlns:a16="http://schemas.microsoft.com/office/drawing/2014/main" id="{E4777DBB-F795-3D05-198B-147C55D690BD}"/>
               </a:ext>
             </a:extLst>
           </p:cNvPr>
@@ -2062,7 +2062,7 @@
           <a:bodyPr/>
           <a:lstStyle/>
           <a:p>
-            <a:fld id="{A642E6E4-43EC-467C-9A68-2A8170773C52}" type="datetimeFigureOut">
+            <a:fld id="{B1CD5916-CF1E-453A-A6F9-D6A4FF66D6F3}" type="datetimeFigureOut">
               <a:rPr lang="zh-CN" altLang="en-US" smtClean="0"/>
               <a:t>2024/3/10</a:t>
             </a:fld>
@@ -2075,7 +2075,7 @@
           <p:cNvPr id="3" name="页脚占位符 2">
             <a:extLst>
               <a:ext uri="{FF2B5EF4-FFF2-40B4-BE49-F238E27FC236}">
-                <a16:creationId xmlns:a16="http://schemas.microsoft.com/office/drawing/2014/main" id="{F5C1EBE7-B8BA-C5D1-660E-4297515B4BA1}"/>
+                <a16:creationId xmlns:a16="http://schemas.microsoft.com/office/drawing/2014/main" id="{9B7FFD6E-9337-EBE8-7685-74F111BB5A23}"/>
               </a:ext>
             </a:extLst>
           </p:cNvPr>
@@ -2100,7 +2100,7 @@
           <p:cNvPr id="4" name="灯片编号占位符 3">
             <a:extLst>
               <a:ext uri="{FF2B5EF4-FFF2-40B4-BE49-F238E27FC236}">
-                <a16:creationId xmlns:a16="http://schemas.microsoft.com/office/drawing/2014/main" id="{83C6FA1A-A2C2-5F34-A13D-06C7A5F6424C}"/>
+                <a16:creationId xmlns:a16="http://schemas.microsoft.com/office/drawing/2014/main" id="{2BA2F919-FC94-6166-0CE9-C4A1AB8B56FA}"/>
               </a:ext>
             </a:extLst>
           </p:cNvPr>
@@ -2116,7 +2116,7 @@
           <a:bodyPr/>
           <a:lstStyle/>
           <a:p>
-            <a:fld id="{19941030-A1DD-49C8-BB65-4FC887AF8004}" type="slidenum">
+            <a:fld id="{89A83918-9015-490D-B70E-4DE5076CD5AC}" type="slidenum">
               <a:rPr lang="zh-CN" altLang="en-US" smtClean="0"/>
               <a:t>‹#›</a:t>
             </a:fld>
@@ -2127,7 +2127,7 @@
     </p:spTree>
     <p:extLst>
       <p:ext uri="{BB962C8B-B14F-4D97-AF65-F5344CB8AC3E}">
-        <p14:creationId xmlns:p14="http://schemas.microsoft.com/office/powerpoint/2010/main" val="4181473186"/>
+        <p14:creationId xmlns:p14="http://schemas.microsoft.com/office/powerpoint/2010/main" val="804785191"/>
       </p:ext>
     </p:extLst>
   </p:cSld>
@@ -2159,7 +2159,7 @@
           <p:cNvPr id="2" name="标题 1">
             <a:extLst>
               <a:ext uri="{FF2B5EF4-FFF2-40B4-BE49-F238E27FC236}">
-                <a16:creationId xmlns:a16="http://schemas.microsoft.com/office/drawing/2014/main" id="{92D476E2-47D7-E946-E55E-80D3DC88A3F9}"/>
+                <a16:creationId xmlns:a16="http://schemas.microsoft.com/office/drawing/2014/main" id="{C91963F1-A311-2867-A9F8-621E01235C3B}"/>
               </a:ext>
             </a:extLst>
           </p:cNvPr>
@@ -2196,7 +2196,7 @@
           <p:cNvPr id="3" name="内容占位符 2">
             <a:extLst>
               <a:ext uri="{FF2B5EF4-FFF2-40B4-BE49-F238E27FC236}">
-                <a16:creationId xmlns:a16="http://schemas.microsoft.com/office/drawing/2014/main" id="{4CFF3C8B-EA54-8BC6-B5AE-6F4287B7C7A9}"/>
+                <a16:creationId xmlns:a16="http://schemas.microsoft.com/office/drawing/2014/main" id="{4F43EF31-3506-C4EF-6E9D-26BEC710117D}"/>
               </a:ext>
             </a:extLst>
           </p:cNvPr>
@@ -2286,7 +2286,7 @@
           <p:cNvPr id="4" name="文本占位符 3">
             <a:extLst>
               <a:ext uri="{FF2B5EF4-FFF2-40B4-BE49-F238E27FC236}">
-                <a16:creationId xmlns:a16="http://schemas.microsoft.com/office/drawing/2014/main" id="{F2F36E4F-6044-D4E0-F75E-A060F47A50E8}"/>
+                <a16:creationId xmlns:a16="http://schemas.microsoft.com/office/drawing/2014/main" id="{83DDE658-E185-B778-F32D-ED5D13E83DC8}"/>
               </a:ext>
             </a:extLst>
           </p:cNvPr>
@@ -2357,7 +2357,7 @@
           <p:cNvPr id="5" name="日期占位符 4">
             <a:extLst>
               <a:ext uri="{FF2B5EF4-FFF2-40B4-BE49-F238E27FC236}">
-                <a16:creationId xmlns:a16="http://schemas.microsoft.com/office/drawing/2014/main" id="{905F14EA-E25D-6F15-304E-40CD5BDB3E21}"/>
+                <a16:creationId xmlns:a16="http://schemas.microsoft.com/office/drawing/2014/main" id="{023F9062-F468-0611-E9D6-97EC9248785F}"/>
               </a:ext>
             </a:extLst>
           </p:cNvPr>
@@ -2373,7 +2373,7 @@
           <a:bodyPr/>
           <a:lstStyle/>
           <a:p>
-            <a:fld id="{A642E6E4-43EC-467C-9A68-2A8170773C52}" type="datetimeFigureOut">
+            <a:fld id="{B1CD5916-CF1E-453A-A6F9-D6A4FF66D6F3}" type="datetimeFigureOut">
               <a:rPr lang="zh-CN" altLang="en-US" smtClean="0"/>
               <a:t>2024/3/10</a:t>
             </a:fld>
@@ -2386,7 +2386,7 @@
           <p:cNvPr id="6" name="页脚占位符 5">
             <a:extLst>
               <a:ext uri="{FF2B5EF4-FFF2-40B4-BE49-F238E27FC236}">
-                <a16:creationId xmlns:a16="http://schemas.microsoft.com/office/drawing/2014/main" id="{A04394B0-B5B3-0E03-E2C0-BBCEAA9D9DAB}"/>
+                <a16:creationId xmlns:a16="http://schemas.microsoft.com/office/drawing/2014/main" id="{794369D6-7F59-CD74-82E6-7D9FCCAF7901}"/>
               </a:ext>
             </a:extLst>
           </p:cNvPr>
@@ -2411,7 +2411,7 @@
           <p:cNvPr id="7" name="灯片编号占位符 6">
             <a:extLst>
               <a:ext uri="{FF2B5EF4-FFF2-40B4-BE49-F238E27FC236}">
-                <a16:creationId xmlns:a16="http://schemas.microsoft.com/office/drawing/2014/main" id="{E926330E-81EB-C177-D7F6-298BD88BECDB}"/>
+                <a16:creationId xmlns:a16="http://schemas.microsoft.com/office/drawing/2014/main" id="{699B5CB8-2DBE-D2C8-0BB1-CBD4813007C7}"/>
               </a:ext>
             </a:extLst>
           </p:cNvPr>
@@ -2427,7 +2427,7 @@
           <a:bodyPr/>
           <a:lstStyle/>
           <a:p>
-            <a:fld id="{19941030-A1DD-49C8-BB65-4FC887AF8004}" type="slidenum">
+            <a:fld id="{89A83918-9015-490D-B70E-4DE5076CD5AC}" type="slidenum">
               <a:rPr lang="zh-CN" altLang="en-US" smtClean="0"/>
               <a:t>‹#›</a:t>
             </a:fld>
@@ -2438,7 +2438,7 @@
     </p:spTree>
     <p:extLst>
       <p:ext uri="{BB962C8B-B14F-4D97-AF65-F5344CB8AC3E}">
-        <p14:creationId xmlns:p14="http://schemas.microsoft.com/office/powerpoint/2010/main" val="2967394427"/>
+        <p14:creationId xmlns:p14="http://schemas.microsoft.com/office/powerpoint/2010/main" val="2085167215"/>
       </p:ext>
     </p:extLst>
   </p:cSld>
@@ -2470,7 +2470,7 @@
           <p:cNvPr id="2" name="标题 1">
             <a:extLst>
               <a:ext uri="{FF2B5EF4-FFF2-40B4-BE49-F238E27FC236}">
-                <a16:creationId xmlns:a16="http://schemas.microsoft.com/office/drawing/2014/main" id="{2DF88459-FF6C-5E2D-7B3F-CC1F66BE0F44}"/>
+                <a16:creationId xmlns:a16="http://schemas.microsoft.com/office/drawing/2014/main" id="{BE4179E7-22DE-6372-4547-F93AC042E45B}"/>
               </a:ext>
             </a:extLst>
           </p:cNvPr>
@@ -2507,7 +2507,7 @@
           <p:cNvPr id="3" name="图片占位符 2">
             <a:extLst>
               <a:ext uri="{FF2B5EF4-FFF2-40B4-BE49-F238E27FC236}">
-                <a16:creationId xmlns:a16="http://schemas.microsoft.com/office/drawing/2014/main" id="{5155B83C-642E-07AE-D542-9673BEF0E980}"/>
+                <a16:creationId xmlns:a16="http://schemas.microsoft.com/office/drawing/2014/main" id="{9451E9C9-B1C2-5DE2-FEB2-335DB2CD960E}"/>
               </a:ext>
             </a:extLst>
           </p:cNvPr>
@@ -2574,7 +2574,7 @@
           <p:cNvPr id="4" name="文本占位符 3">
             <a:extLst>
               <a:ext uri="{FF2B5EF4-FFF2-40B4-BE49-F238E27FC236}">
-                <a16:creationId xmlns:a16="http://schemas.microsoft.com/office/drawing/2014/main" id="{B87C1761-DEB9-FAFF-B087-462352FD8483}"/>
+                <a16:creationId xmlns:a16="http://schemas.microsoft.com/office/drawing/2014/main" id="{CE435586-28B3-1EA2-BC58-266DF0ABAC0C}"/>
               </a:ext>
             </a:extLst>
           </p:cNvPr>
@@ -2645,7 +2645,7 @@
           <p:cNvPr id="5" name="日期占位符 4">
             <a:extLst>
               <a:ext uri="{FF2B5EF4-FFF2-40B4-BE49-F238E27FC236}">
-                <a16:creationId xmlns:a16="http://schemas.microsoft.com/office/drawing/2014/main" id="{76BDDA1A-5762-E3EA-8E16-04CAD8560872}"/>
+                <a16:creationId xmlns:a16="http://schemas.microsoft.com/office/drawing/2014/main" id="{C28F948D-C23C-3AF4-86CB-A213EFD91073}"/>
               </a:ext>
             </a:extLst>
           </p:cNvPr>
@@ -2661,7 +2661,7 @@
           <a:bodyPr/>
           <a:lstStyle/>
           <a:p>
-            <a:fld id="{A642E6E4-43EC-467C-9A68-2A8170773C52}" type="datetimeFigureOut">
+            <a:fld id="{B1CD5916-CF1E-453A-A6F9-D6A4FF66D6F3}" type="datetimeFigureOut">
               <a:rPr lang="zh-CN" altLang="en-US" smtClean="0"/>
               <a:t>2024/3/10</a:t>
             </a:fld>
@@ -2674,7 +2674,7 @@
           <p:cNvPr id="6" name="页脚占位符 5">
             <a:extLst>
               <a:ext uri="{FF2B5EF4-FFF2-40B4-BE49-F238E27FC236}">
-                <a16:creationId xmlns:a16="http://schemas.microsoft.com/office/drawing/2014/main" id="{A2D4A893-D872-3B7F-B665-3B6CAB7312BE}"/>
+                <a16:creationId xmlns:a16="http://schemas.microsoft.com/office/drawing/2014/main" id="{3F659ACE-BE73-2E0C-0F7D-339DDD725CAF}"/>
               </a:ext>
             </a:extLst>
           </p:cNvPr>
@@ -2699,7 +2699,7 @@
           <p:cNvPr id="7" name="灯片编号占位符 6">
             <a:extLst>
               <a:ext uri="{FF2B5EF4-FFF2-40B4-BE49-F238E27FC236}">
-                <a16:creationId xmlns:a16="http://schemas.microsoft.com/office/drawing/2014/main" id="{F5EA2B7D-140A-0E16-20FC-BAAE3B827F57}"/>
+                <a16:creationId xmlns:a16="http://schemas.microsoft.com/office/drawing/2014/main" id="{4EBFF7DA-2FAD-6B54-458F-58013469BD0D}"/>
               </a:ext>
             </a:extLst>
           </p:cNvPr>
@@ -2715,7 +2715,7 @@
           <a:bodyPr/>
           <a:lstStyle/>
           <a:p>
-            <a:fld id="{19941030-A1DD-49C8-BB65-4FC887AF8004}" type="slidenum">
+            <a:fld id="{89A83918-9015-490D-B70E-4DE5076CD5AC}" type="slidenum">
               <a:rPr lang="zh-CN" altLang="en-US" smtClean="0"/>
               <a:t>‹#›</a:t>
             </a:fld>
@@ -2726,7 +2726,7 @@
     </p:spTree>
     <p:extLst>
       <p:ext uri="{BB962C8B-B14F-4D97-AF65-F5344CB8AC3E}">
-        <p14:creationId xmlns:p14="http://schemas.microsoft.com/office/powerpoint/2010/main" val="48699344"/>
+        <p14:creationId xmlns:p14="http://schemas.microsoft.com/office/powerpoint/2010/main" val="3603858713"/>
       </p:ext>
     </p:extLst>
   </p:cSld>
@@ -2763,7 +2763,7 @@
           <p:cNvPr id="2" name="标题占位符 1">
             <a:extLst>
               <a:ext uri="{FF2B5EF4-FFF2-40B4-BE49-F238E27FC236}">
-                <a16:creationId xmlns:a16="http://schemas.microsoft.com/office/drawing/2014/main" id="{F721B2A0-946B-DAA1-4BA3-F3786548D0CA}"/>
+                <a16:creationId xmlns:a16="http://schemas.microsoft.com/office/drawing/2014/main" id="{B4F76586-A745-07C0-CDC0-1B83123E9151}"/>
               </a:ext>
             </a:extLst>
           </p:cNvPr>
@@ -2801,7 +2801,7 @@
           <p:cNvPr id="3" name="文本占位符 2">
             <a:extLst>
               <a:ext uri="{FF2B5EF4-FFF2-40B4-BE49-F238E27FC236}">
-                <a16:creationId xmlns:a16="http://schemas.microsoft.com/office/drawing/2014/main" id="{DEF14976-6514-EEE5-ECA1-2B1A65AF1104}"/>
+                <a16:creationId xmlns:a16="http://schemas.microsoft.com/office/drawing/2014/main" id="{F0D76A04-8AE3-EEF8-FF11-F07B3009A9B5}"/>
               </a:ext>
             </a:extLst>
           </p:cNvPr>
@@ -2868,7 +2868,7 @@
           <p:cNvPr id="4" name="日期占位符 3">
             <a:extLst>
               <a:ext uri="{FF2B5EF4-FFF2-40B4-BE49-F238E27FC236}">
-                <a16:creationId xmlns:a16="http://schemas.microsoft.com/office/drawing/2014/main" id="{BE15C21B-48E9-3A0F-F7C5-CF389CF2F69E}"/>
+                <a16:creationId xmlns:a16="http://schemas.microsoft.com/office/drawing/2014/main" id="{08E9A1AA-7423-6FC5-E1E7-D4D2A8DF64C0}"/>
               </a:ext>
             </a:extLst>
           </p:cNvPr>
@@ -2902,7 +2902,7 @@
             </a:lvl1pPr>
           </a:lstStyle>
           <a:p>
-            <a:fld id="{A642E6E4-43EC-467C-9A68-2A8170773C52}" type="datetimeFigureOut">
+            <a:fld id="{B1CD5916-CF1E-453A-A6F9-D6A4FF66D6F3}" type="datetimeFigureOut">
               <a:rPr lang="zh-CN" altLang="en-US" smtClean="0"/>
               <a:t>2024/3/10</a:t>
             </a:fld>
@@ -2915,7 +2915,7 @@
           <p:cNvPr id="5" name="页脚占位符 4">
             <a:extLst>
               <a:ext uri="{FF2B5EF4-FFF2-40B4-BE49-F238E27FC236}">
-                <a16:creationId xmlns:a16="http://schemas.microsoft.com/office/drawing/2014/main" id="{B54DDE16-F148-7247-9B62-5C8135887BCF}"/>
+                <a16:creationId xmlns:a16="http://schemas.microsoft.com/office/drawing/2014/main" id="{7C5A01C4-C4AE-7470-A20B-D2F6012062C6}"/>
               </a:ext>
             </a:extLst>
           </p:cNvPr>
@@ -2958,7 +2958,7 @@
           <p:cNvPr id="6" name="灯片编号占位符 5">
             <a:extLst>
               <a:ext uri="{FF2B5EF4-FFF2-40B4-BE49-F238E27FC236}">
-                <a16:creationId xmlns:a16="http://schemas.microsoft.com/office/drawing/2014/main" id="{CEA30327-7FD1-E27E-B46D-A9123B4AB6A1}"/>
+                <a16:creationId xmlns:a16="http://schemas.microsoft.com/office/drawing/2014/main" id="{37B29B94-EAB5-1758-4A4F-9949F060EBFC}"/>
               </a:ext>
             </a:extLst>
           </p:cNvPr>
@@ -2992,7 +2992,7 @@
             </a:lvl1pPr>
           </a:lstStyle>
           <a:p>
-            <a:fld id="{19941030-A1DD-49C8-BB65-4FC887AF8004}" type="slidenum">
+            <a:fld id="{89A83918-9015-490D-B70E-4DE5076CD5AC}" type="slidenum">
               <a:rPr lang="zh-CN" altLang="en-US" smtClean="0"/>
               <a:t>‹#›</a:t>
             </a:fld>
@@ -3003,7 +3003,7 @@
     </p:spTree>
     <p:extLst>
       <p:ext uri="{BB962C8B-B14F-4D97-AF65-F5344CB8AC3E}">
-        <p14:creationId xmlns:p14="http://schemas.microsoft.com/office/powerpoint/2010/main" val="4225147880"/>
+        <p14:creationId xmlns:p14="http://schemas.microsoft.com/office/powerpoint/2010/main" val="3361855494"/>
       </p:ext>
     </p:extLst>
   </p:cSld>
